--- a/docs/diagrams/RemarkClassDiagram.pptx
+++ b/docs/diagrams/RemarkClassDiagram.pptx
@@ -208,7 +208,7 @@
           <a:p>
             <a:fld id="{F5CC4B3F-88C1-4FFA-B1B6-F41C21DC6924}" type="datetimeFigureOut">
               <a:rPr lang="en-US" smtClean="0"/>
-              <a:t>11/2/17</a:t>
+              <a:t>11/11/17</a:t>
             </a:fld>
             <a:endParaRPr lang="en-US"/>
           </a:p>
@@ -657,7 +657,7 @@
           <a:p>
             <a:fld id="{78C97017-6FC3-485B-9764-EAC9E56C1D49}" type="datetimeFigureOut">
               <a:rPr lang="en-US" smtClean="0"/>
-              <a:t>11/2/17</a:t>
+              <a:t>11/11/17</a:t>
             </a:fld>
             <a:endParaRPr lang="en-US"/>
           </a:p>
@@ -827,7 +827,7 @@
           <a:p>
             <a:fld id="{78C97017-6FC3-485B-9764-EAC9E56C1D49}" type="datetimeFigureOut">
               <a:rPr lang="en-US" smtClean="0"/>
-              <a:t>11/2/17</a:t>
+              <a:t>11/11/17</a:t>
             </a:fld>
             <a:endParaRPr lang="en-US"/>
           </a:p>
@@ -1007,7 +1007,7 @@
           <a:p>
             <a:fld id="{78C97017-6FC3-485B-9764-EAC9E56C1D49}" type="datetimeFigureOut">
               <a:rPr lang="en-US" smtClean="0"/>
-              <a:t>11/2/17</a:t>
+              <a:t>11/11/17</a:t>
             </a:fld>
             <a:endParaRPr lang="en-US"/>
           </a:p>
@@ -1177,7 +1177,7 @@
           <a:p>
             <a:fld id="{78C97017-6FC3-485B-9764-EAC9E56C1D49}" type="datetimeFigureOut">
               <a:rPr lang="en-US" smtClean="0"/>
-              <a:t>11/2/17</a:t>
+              <a:t>11/11/17</a:t>
             </a:fld>
             <a:endParaRPr lang="en-US"/>
           </a:p>
@@ -1423,7 +1423,7 @@
           <a:p>
             <a:fld id="{78C97017-6FC3-485B-9764-EAC9E56C1D49}" type="datetimeFigureOut">
               <a:rPr lang="en-US" smtClean="0"/>
-              <a:t>11/2/17</a:t>
+              <a:t>11/11/17</a:t>
             </a:fld>
             <a:endParaRPr lang="en-US"/>
           </a:p>
@@ -1711,7 +1711,7 @@
           <a:p>
             <a:fld id="{78C97017-6FC3-485B-9764-EAC9E56C1D49}" type="datetimeFigureOut">
               <a:rPr lang="en-US" smtClean="0"/>
-              <a:t>11/2/17</a:t>
+              <a:t>11/11/17</a:t>
             </a:fld>
             <a:endParaRPr lang="en-US"/>
           </a:p>
@@ -2133,7 +2133,7 @@
           <a:p>
             <a:fld id="{78C97017-6FC3-485B-9764-EAC9E56C1D49}" type="datetimeFigureOut">
               <a:rPr lang="en-US" smtClean="0"/>
-              <a:t>11/2/17</a:t>
+              <a:t>11/11/17</a:t>
             </a:fld>
             <a:endParaRPr lang="en-US"/>
           </a:p>
@@ -2251,7 +2251,7 @@
           <a:p>
             <a:fld id="{78C97017-6FC3-485B-9764-EAC9E56C1D49}" type="datetimeFigureOut">
               <a:rPr lang="en-US" smtClean="0"/>
-              <a:t>11/2/17</a:t>
+              <a:t>11/11/17</a:t>
             </a:fld>
             <a:endParaRPr lang="en-US"/>
           </a:p>
@@ -2346,7 +2346,7 @@
           <a:p>
             <a:fld id="{78C97017-6FC3-485B-9764-EAC9E56C1D49}" type="datetimeFigureOut">
               <a:rPr lang="en-US" smtClean="0"/>
-              <a:t>11/2/17</a:t>
+              <a:t>11/11/17</a:t>
             </a:fld>
             <a:endParaRPr lang="en-US"/>
           </a:p>
@@ -2623,7 +2623,7 @@
           <a:p>
             <a:fld id="{78C97017-6FC3-485B-9764-EAC9E56C1D49}" type="datetimeFigureOut">
               <a:rPr lang="en-US" smtClean="0"/>
-              <a:t>11/2/17</a:t>
+              <a:t>11/11/17</a:t>
             </a:fld>
             <a:endParaRPr lang="en-US"/>
           </a:p>
@@ -2876,7 +2876,7 @@
           <a:p>
             <a:fld id="{78C97017-6FC3-485B-9764-EAC9E56C1D49}" type="datetimeFigureOut">
               <a:rPr lang="en-US" smtClean="0"/>
-              <a:t>11/2/17</a:t>
+              <a:t>11/11/17</a:t>
             </a:fld>
             <a:endParaRPr lang="en-US"/>
           </a:p>
@@ -3089,7 +3089,7 @@
           <a:p>
             <a:fld id="{78C97017-6FC3-485B-9764-EAC9E56C1D49}" type="datetimeFigureOut">
               <a:rPr lang="en-US" smtClean="0"/>
-              <a:t>11/2/17</a:t>
+              <a:t>11/11/17</a:t>
             </a:fld>
             <a:endParaRPr lang="en-US"/>
           </a:p>
@@ -3472,8 +3472,8 @@
         </p:nvSpPr>
         <p:spPr>
           <a:xfrm>
-            <a:off x="5490219" y="2031116"/>
-            <a:ext cx="3272781" cy="2693283"/>
+            <a:off x="5531011" y="2120458"/>
+            <a:ext cx="3272781" cy="2845684"/>
           </a:xfrm>
           <a:prstGeom prst="roundRect">
             <a:avLst>
@@ -3525,8 +3525,8 @@
         </p:nvSpPr>
         <p:spPr>
           <a:xfrm>
-            <a:off x="1064120" y="1734416"/>
-            <a:ext cx="4215803" cy="2997200"/>
+            <a:off x="1042740" y="1843128"/>
+            <a:ext cx="4215803" cy="3142384"/>
           </a:xfrm>
           <a:prstGeom prst="roundRect">
             <a:avLst>
@@ -4593,7 +4593,7 @@
         </p:nvSpPr>
         <p:spPr>
           <a:xfrm>
-            <a:off x="7609209" y="3847830"/>
+            <a:off x="7609209" y="3810000"/>
             <a:ext cx="708186" cy="285783"/>
           </a:xfrm>
           <a:prstGeom prst="rect">
@@ -4738,15 +4738,17 @@
       <p:cxnSp>
         <p:nvCxnSpPr>
           <p:cNvPr id="93" name="Elbow Connector 92"/>
-          <p:cNvCxnSpPr/>
+          <p:cNvCxnSpPr>
+            <a:endCxn id="37" idx="1"/>
+          </p:cNvCxnSpPr>
           <p:nvPr/>
         </p:nvCxnSpPr>
         <p:spPr>
-          <a:xfrm>
-            <a:off x="7174807" y="3672527"/>
-            <a:ext cx="434402" cy="641172"/>
-          </a:xfrm>
-          <a:prstGeom prst="bentConnector3">
+          <a:xfrm rot="16200000" flipH="1">
+            <a:off x="7019865" y="4111901"/>
+            <a:ext cx="949018" cy="206479"/>
+          </a:xfrm>
+          <a:prstGeom prst="bentConnector2">
             <a:avLst/>
           </a:prstGeom>
           <a:ln w="19050">
@@ -5006,6 +5008,316 @@
           </a:p>
         </p:txBody>
       </p:sp>
+      <p:sp>
+        <p:nvSpPr>
+          <p:cNvPr id="37" name="Rectangle 8"/>
+          <p:cNvSpPr/>
+          <p:nvPr/>
+        </p:nvSpPr>
+        <p:spPr>
+          <a:xfrm>
+            <a:off x="7597614" y="4532363"/>
+            <a:ext cx="708186" cy="314574"/>
+          </a:xfrm>
+          <a:prstGeom prst="rect">
+            <a:avLst/>
+          </a:prstGeom>
+          <a:ln w="19050">
+            <a:solidFill>
+              <a:srgbClr val="7030A0"/>
+            </a:solidFill>
+          </a:ln>
+          <a:effectLst/>
+        </p:spPr>
+        <p:style>
+          <a:lnRef idx="1">
+            <a:schemeClr val="accent4"/>
+          </a:lnRef>
+          <a:fillRef idx="2">
+            <a:schemeClr val="accent4"/>
+          </a:fillRef>
+          <a:effectRef idx="1">
+            <a:schemeClr val="accent4"/>
+          </a:effectRef>
+          <a:fontRef idx="minor">
+            <a:schemeClr val="dk1"/>
+          </a:fontRef>
+        </p:style>
+        <p:txBody>
+          <a:bodyPr rtlCol="0" anchor="ctr"/>
+          <a:lstStyle/>
+          <a:p>
+            <a:pPr algn="ctr"/>
+            <a:r>
+              <a:rPr lang="en-US" sz="1050" dirty="0" smtClean="0">
+                <a:solidFill>
+                  <a:srgbClr val="7030A0"/>
+                </a:solidFill>
+              </a:rPr>
+              <a:t>Group</a:t>
+            </a:r>
+            <a:endParaRPr lang="en-SG" sz="1050" dirty="0">
+              <a:solidFill>
+                <a:srgbClr val="7030A0"/>
+              </a:solidFill>
+            </a:endParaRPr>
+          </a:p>
+        </p:txBody>
+      </p:sp>
+      <p:cxnSp>
+        <p:nvCxnSpPr>
+          <p:cNvPr id="40" name="Straight Connector 39"/>
+          <p:cNvCxnSpPr/>
+          <p:nvPr/>
+        </p:nvCxnSpPr>
+        <p:spPr>
+          <a:xfrm>
+            <a:off x="7391400" y="4343400"/>
+            <a:ext cx="217201" cy="0"/>
+          </a:xfrm>
+          <a:prstGeom prst="line">
+            <a:avLst/>
+          </a:prstGeom>
+          <a:ln w="19050">
+            <a:solidFill>
+              <a:srgbClr val="7030A0"/>
+            </a:solidFill>
+            <a:tailEnd type="arrow"/>
+          </a:ln>
+        </p:spPr>
+        <p:style>
+          <a:lnRef idx="1">
+            <a:schemeClr val="accent1"/>
+          </a:lnRef>
+          <a:fillRef idx="0">
+            <a:schemeClr val="accent1"/>
+          </a:fillRef>
+          <a:effectRef idx="0">
+            <a:schemeClr val="accent1"/>
+          </a:effectRef>
+          <a:fontRef idx="minor">
+            <a:schemeClr val="tx1"/>
+          </a:fontRef>
+        </p:style>
+      </p:cxnSp>
+      <p:sp>
+        <p:nvSpPr>
+          <p:cNvPr id="41" name="Rectangle 8"/>
+          <p:cNvSpPr/>
+          <p:nvPr/>
+        </p:nvSpPr>
+        <p:spPr>
+          <a:xfrm>
+            <a:off x="3300621" y="3861183"/>
+            <a:ext cx="1156969" cy="346760"/>
+          </a:xfrm>
+          <a:prstGeom prst="rect">
+            <a:avLst/>
+          </a:prstGeom>
+          <a:ln w="19050">
+            <a:solidFill>
+              <a:srgbClr val="7030A0"/>
+            </a:solidFill>
+          </a:ln>
+          <a:effectLst/>
+        </p:spPr>
+        <p:style>
+          <a:lnRef idx="1">
+            <a:schemeClr val="accent4"/>
+          </a:lnRef>
+          <a:fillRef idx="2">
+            <a:schemeClr val="accent4"/>
+          </a:fillRef>
+          <a:effectRef idx="1">
+            <a:schemeClr val="accent4"/>
+          </a:effectRef>
+          <a:fontRef idx="minor">
+            <a:schemeClr val="dk1"/>
+          </a:fontRef>
+        </p:style>
+        <p:txBody>
+          <a:bodyPr rtlCol="0" anchor="ctr"/>
+          <a:lstStyle/>
+          <a:p>
+            <a:pPr algn="ctr"/>
+            <a:r>
+              <a:rPr lang="en-US" sz="1050" dirty="0" smtClean="0">
+                <a:solidFill>
+                  <a:srgbClr val="7030A0"/>
+                </a:solidFill>
+              </a:rPr>
+              <a:t>UniqueGroupList</a:t>
+            </a:r>
+            <a:endParaRPr lang="en-SG" sz="1050" dirty="0">
+              <a:solidFill>
+                <a:srgbClr val="7030A0"/>
+              </a:solidFill>
+            </a:endParaRPr>
+          </a:p>
+        </p:txBody>
+      </p:sp>
+      <p:cxnSp>
+        <p:nvCxnSpPr>
+          <p:cNvPr id="42" name="Elbow Connector 41"/>
+          <p:cNvCxnSpPr>
+            <a:endCxn id="41" idx="1"/>
+          </p:cNvCxnSpPr>
+          <p:nvPr/>
+        </p:nvCxnSpPr>
+        <p:spPr>
+          <a:xfrm rot="16200000" flipH="1">
+            <a:off x="2750400" y="3484342"/>
+            <a:ext cx="878584" cy="221858"/>
+          </a:xfrm>
+          <a:prstGeom prst="bentConnector2">
+            <a:avLst/>
+          </a:prstGeom>
+          <a:ln w="19050">
+            <a:solidFill>
+              <a:srgbClr val="7030A0"/>
+            </a:solidFill>
+            <a:headEnd type="none" w="med" len="med"/>
+            <a:tailEnd type="arrow" w="med" len="med"/>
+          </a:ln>
+          <a:effectLst/>
+        </p:spPr>
+        <p:style>
+          <a:lnRef idx="1">
+            <a:schemeClr val="accent2"/>
+          </a:lnRef>
+          <a:fillRef idx="2">
+            <a:schemeClr val="accent2"/>
+          </a:fillRef>
+          <a:effectRef idx="1">
+            <a:schemeClr val="accent2"/>
+          </a:effectRef>
+          <a:fontRef idx="minor">
+            <a:schemeClr val="dk1"/>
+          </a:fontRef>
+        </p:style>
+      </p:cxnSp>
+      <p:sp>
+        <p:nvSpPr>
+          <p:cNvPr id="47" name="TextBox 46"/>
+          <p:cNvSpPr txBox="1"/>
+          <p:nvPr/>
+        </p:nvSpPr>
+        <p:spPr>
+          <a:xfrm>
+            <a:off x="3048000" y="4012317"/>
+            <a:ext cx="189257" cy="178683"/>
+          </a:xfrm>
+          <a:prstGeom prst="rect">
+            <a:avLst/>
+          </a:prstGeom>
+          <a:noFill/>
+        </p:spPr>
+        <p:txBody>
+          <a:bodyPr wrap="square" lIns="0" tIns="0" rIns="0" bIns="0" rtlCol="0">
+            <a:noAutofit/>
+          </a:bodyPr>
+          <a:lstStyle/>
+          <a:p>
+            <a:pPr algn="ctr"/>
+            <a:r>
+              <a:rPr lang="en-US" sz="1100" dirty="0" smtClean="0">
+                <a:solidFill>
+                  <a:srgbClr val="7030A0"/>
+                </a:solidFill>
+              </a:rPr>
+              <a:t>1</a:t>
+            </a:r>
+            <a:endParaRPr lang="en-SG" sz="1100" dirty="0">
+              <a:solidFill>
+                <a:srgbClr val="7030A0"/>
+              </a:solidFill>
+            </a:endParaRPr>
+          </a:p>
+        </p:txBody>
+      </p:sp>
+      <p:sp>
+        <p:nvSpPr>
+          <p:cNvPr id="48" name="Flowchart: Decision 96"/>
+          <p:cNvSpPr/>
+          <p:nvPr/>
+        </p:nvSpPr>
+        <p:spPr>
+          <a:xfrm rot="5138861">
+            <a:off x="3939773" y="4246220"/>
+            <a:ext cx="236048" cy="173380"/>
+          </a:xfrm>
+          <a:prstGeom prst="flowChartDecision">
+            <a:avLst/>
+          </a:prstGeom>
+          <a:noFill/>
+          <a:ln w="19050">
+            <a:solidFill>
+              <a:srgbClr val="7030A0"/>
+            </a:solidFill>
+          </a:ln>
+          <a:effectLst/>
+        </p:spPr>
+        <p:style>
+          <a:lnRef idx="1">
+            <a:schemeClr val="accent6"/>
+          </a:lnRef>
+          <a:fillRef idx="2">
+            <a:schemeClr val="accent6"/>
+          </a:fillRef>
+          <a:effectRef idx="1">
+            <a:schemeClr val="accent6"/>
+          </a:effectRef>
+          <a:fontRef idx="minor">
+            <a:schemeClr val="dk1"/>
+          </a:fontRef>
+        </p:style>
+        <p:txBody>
+          <a:bodyPr rtlCol="0" anchor="ctr"/>
+          <a:lstStyle/>
+          <a:p>
+            <a:pPr algn="ctr"/>
+            <a:endParaRPr lang="en-US" sz="1050"/>
+          </a:p>
+        </p:txBody>
+      </p:sp>
+      <p:cxnSp>
+        <p:nvCxnSpPr>
+          <p:cNvPr id="52" name="Elbow Connector 51"/>
+          <p:cNvCxnSpPr/>
+          <p:nvPr/>
+        </p:nvCxnSpPr>
+        <p:spPr>
+          <a:xfrm rot="16200000" flipH="1">
+            <a:off x="5662141" y="2824214"/>
+            <a:ext cx="367552" cy="3558326"/>
+          </a:xfrm>
+          <a:prstGeom prst="bentConnector2">
+            <a:avLst/>
+          </a:prstGeom>
+          <a:ln w="19050">
+            <a:solidFill>
+              <a:srgbClr val="7030A0"/>
+            </a:solidFill>
+            <a:headEnd type="none" w="med" len="med"/>
+            <a:tailEnd type="arrow" w="med" len="med"/>
+          </a:ln>
+          <a:effectLst/>
+        </p:spPr>
+        <p:style>
+          <a:lnRef idx="1">
+            <a:schemeClr val="accent2"/>
+          </a:lnRef>
+          <a:fillRef idx="2">
+            <a:schemeClr val="accent2"/>
+          </a:fillRef>
+          <a:effectRef idx="1">
+            <a:schemeClr val="accent2"/>
+          </a:effectRef>
+          <a:fontRef idx="minor">
+            <a:schemeClr val="dk1"/>
+          </a:fontRef>
+        </p:style>
+      </p:cxnSp>
     </p:spTree>
     <p:extLst>
       <p:ext uri="{BB962C8B-B14F-4D97-AF65-F5344CB8AC3E}">
